--- a/docs/GOH584.pptx
+++ b/docs/GOH584.pptx
@@ -1213,7 +1213,7 @@
       </p:sp>
       <p:pic>
         <p:nvPicPr>
-          <p:cNvPr id="3" name="Image 0" descr="C:\Users\admin\Desktop\live-odoads\goh_odoads\public\upload\file_1690864137404.jfif">    </p:cNvPr>
+          <p:cNvPr id="3" name="Image 0" descr="C:\Users\admin\Desktop\odoads-nextJS-latest\public\upload\file_1690864137404.jfif">    </p:cNvPr>
           <p:cNvPicPr>
             <a:picLocks noChangeAspect="1"/>
           </p:cNvPicPr>
@@ -1663,7 +1663,7 @@
       </p:sp>
       <p:pic>
         <p:nvPicPr>
-          <p:cNvPr id="3" name="Image 0" descr="C:\Users\admin\Desktop\live-odoads\goh_odoads\public\upload\file_1690864184529.jpg">    </p:cNvPr>
+          <p:cNvPr id="3" name="Image 0" descr="C:\Users\admin\Desktop\odoads-nextJS-latest\public\upload\file_1701495231895.jpg">    </p:cNvPr>
           <p:cNvPicPr>
             <a:picLocks noChangeAspect="1"/>
           </p:cNvPicPr>
@@ -1735,7 +1735,7 @@
                   <a:srgbClr val="000000"/>
                 </a:solidFill>
               </a:rPr>
-              <a:t>Site name : fg</a:t>
+              <a:t>Site name : go odok</a:t>
             </a:r>
             <a:endParaRPr lang="en-US" sz="2400" dirty="0"/>
           </a:p>
@@ -1857,7 +1857,7 @@
                   <a:srgbClr val="000000"/>
                 </a:solidFill>
               </a:rPr>
-              <a:t>Name : fg</a:t>
+              <a:t>Name : go odok</a:t>
             </a:r>
             <a:endParaRPr lang="en-US" sz="1600" dirty="0"/>
           </a:p>
@@ -1885,7 +1885,7 @@
                   <a:srgbClr val="000000"/>
                 </a:solidFill>
               </a:rPr>
-              <a:t>City : Bondila</a:t>
+              <a:t>City : Amguri</a:t>
             </a:r>
             <a:endParaRPr lang="en-US" sz="1600" dirty="0"/>
           </a:p>
@@ -1899,7 +1899,7 @@
                   <a:srgbClr val="000000"/>
                 </a:solidFill>
               </a:rPr>
-              <a:t>Location : 1000</a:t>
+              <a:t>Location : gyhktyhk</a:t>
             </a:r>
             <a:endParaRPr lang="en-US" sz="1600" dirty="0"/>
           </a:p>
@@ -1913,7 +1913,7 @@
                   <a:srgbClr val="000000"/>
                 </a:solidFill>
               </a:rPr>
-              <a:t>GEO Location : 10000</a:t>
+              <a:t>GEO Location : 786786</a:t>
             </a:r>
             <a:endParaRPr lang="en-US" sz="1600" dirty="0"/>
           </a:p>
@@ -1927,7 +1927,7 @@
                   <a:srgbClr val="000000"/>
                 </a:solidFill>
               </a:rPr>
-              <a:t>Size : 110 x 110</a:t>
+              <a:t>Size : 45 x 45</a:t>
             </a:r>
             <a:endParaRPr lang="en-US" sz="1600" dirty="0"/>
           </a:p>
@@ -1955,7 +1955,7 @@
                   <a:srgbClr val="000000"/>
                 </a:solidFill>
               </a:rPr>
-              <a:t>Price : 1000</a:t>
+              <a:t>Price : 78000</a:t>
             </a:r>
             <a:endParaRPr lang="en-US" sz="1600" dirty="0"/>
           </a:p>
@@ -1969,7 +1969,7 @@
                   <a:srgbClr val="000000"/>
                 </a:solidFill>
               </a:rPr>
-              <a:t>Available Date : 2023-08-01 00:00:00</a:t>
+              <a:t>Available Date : 2023-12-03 00:00:00</a:t>
             </a:r>
             <a:endParaRPr lang="en-US" sz="1600" dirty="0"/>
           </a:p>
